--- a/PPT/JS/08JavaScript对象.pptx
+++ b/PPT/JS/08JavaScript对象.pptx
@@ -131,6 +131,11 @@
       </a:defRPr>
     </a:lvl9pPr>
   </p:defaultTextStyle>
+  <p:extLst>
+    <p:ext uri="{505F2C04-C923-438B-8C0F-E0CD2BADF298}">
+      <wppc:fontMiss xmlns:wppc="http://www.wps.cn/officeDocument/PresentationCustomData" type="true"/>
+    </p:ext>
+  </p:extLst>
 </p:presentation>
 </file>
 
@@ -8218,7 +8223,7 @@
         </p:nvSpPr>
         <p:spPr>
           <a:xfrm>
-            <a:off x="2327910" y="662305"/>
+            <a:off x="2328545" y="662305"/>
             <a:ext cx="5172075" cy="583565"/>
           </a:xfrm>
           <a:prstGeom prst="rect">
